--- a/Presentation/ML Tribore Presentation TD.pptx
+++ b/Presentation/ML Tribore Presentation TD.pptx
@@ -5,7 +5,14 @@
     <p:sldMasterId id="2147483660" r:id="rId1"/>
   </p:sldMasterIdLst>
   <p:sldIdLst>
-    <p:sldId id="267" r:id="rId2"/>
+    <p:sldId id="268" r:id="rId2"/>
+    <p:sldId id="269" r:id="rId3"/>
+    <p:sldId id="275" r:id="rId4"/>
+    <p:sldId id="274" r:id="rId5"/>
+    <p:sldId id="270" r:id="rId6"/>
+    <p:sldId id="271" r:id="rId7"/>
+    <p:sldId id="272" r:id="rId8"/>
+    <p:sldId id="273" r:id="rId9"/>
   </p:sldIdLst>
   <p:sldSz cx="12192000" cy="6858000"/>
   <p:notesSz cx="6858000" cy="9144000"/>
@@ -3524,7 +3531,10 @@
           <a:bodyPr/>
           <a:lstStyle/>
           <a:p>
-            <a:endParaRPr lang="en-US"/>
+            <a:r>
+              <a:rPr lang="en-US" dirty="0"/>
+              <a:t>Table of Contents</a:t>
+            </a:r>
           </a:p>
         </p:txBody>
       </p:sp>
@@ -3549,14 +3559,902 @@
           <a:bodyPr/>
           <a:lstStyle/>
           <a:p>
-            <a:endParaRPr lang="en-US"/>
+            <a:pPr marL="409575" indent="-409575">
+              <a:buNone/>
+              <a:tabLst>
+                <a:tab pos="398463" algn="l"/>
+              </a:tabLst>
+            </a:pPr>
+            <a:r>
+              <a:rPr lang="en-US" dirty="0"/>
+              <a:t>I.  	Exploratory Data Analysis </a:t>
+            </a:r>
+          </a:p>
+          <a:p>
+            <a:pPr marL="409575" indent="-409575">
+              <a:buNone/>
+              <a:tabLst>
+                <a:tab pos="398463" algn="l"/>
+              </a:tabLst>
+            </a:pPr>
+            <a:r>
+              <a:rPr lang="en-US" dirty="0"/>
+              <a:t>II. 	Base Model with </a:t>
+            </a:r>
+            <a:r>
+              <a:rPr lang="en-US" dirty="0" err="1"/>
+              <a:t>Dummification</a:t>
+            </a:r>
+            <a:endParaRPr lang="en-US" dirty="0"/>
+          </a:p>
+          <a:p>
+            <a:pPr marL="409575" indent="-409575">
+              <a:buNone/>
+              <a:tabLst>
+                <a:tab pos="398463" algn="l"/>
+              </a:tabLst>
+            </a:pPr>
+            <a:r>
+              <a:rPr lang="en-US" dirty="0"/>
+              <a:t>III. Feature Space Definition</a:t>
+            </a:r>
+          </a:p>
+          <a:p>
+            <a:pPr marL="409575" indent="-409575">
+              <a:buNone/>
+              <a:tabLst>
+                <a:tab pos="398463" algn="l"/>
+              </a:tabLst>
+            </a:pPr>
+            <a:r>
+              <a:rPr lang="en-US" dirty="0"/>
+              <a:t>IV. Results </a:t>
+            </a:r>
           </a:p>
         </p:txBody>
       </p:sp>
     </p:spTree>
     <p:extLst>
       <p:ext uri="{BB962C8B-B14F-4D97-AF65-F5344CB8AC3E}">
-        <p14:creationId xmlns:p14="http://schemas.microsoft.com/office/powerpoint/2010/main" val="2525177999"/>
+        <p14:creationId xmlns:p14="http://schemas.microsoft.com/office/powerpoint/2010/main" val="1797655177"/>
+      </p:ext>
+    </p:extLst>
+  </p:cSld>
+  <p:clrMapOvr>
+    <a:masterClrMapping/>
+  </p:clrMapOvr>
+</p:sld>
+</file>
+
+<file path=ppt/slides/slide2.xml><?xml version="1.0" encoding="utf-8"?>
+<p:sld xmlns:a="http://schemas.openxmlformats.org/drawingml/2006/main" xmlns:r="http://schemas.openxmlformats.org/officeDocument/2006/relationships" xmlns:p="http://schemas.openxmlformats.org/presentationml/2006/main">
+  <p:cSld>
+    <p:spTree>
+      <p:nvGrpSpPr>
+        <p:cNvPr id="1" name=""/>
+        <p:cNvGrpSpPr/>
+        <p:nvPr/>
+      </p:nvGrpSpPr>
+      <p:grpSpPr>
+        <a:xfrm>
+          <a:off x="0" y="0"/>
+          <a:ext cx="0" cy="0"/>
+          <a:chOff x="0" y="0"/>
+          <a:chExt cx="0" cy="0"/>
+        </a:xfrm>
+      </p:grpSpPr>
+      <p:sp>
+        <p:nvSpPr>
+          <p:cNvPr id="2" name="Title 1">
+            <a:extLst>
+              <a:ext uri="{FF2B5EF4-FFF2-40B4-BE49-F238E27FC236}">
+                <a16:creationId xmlns:a16="http://schemas.microsoft.com/office/drawing/2014/main" id="{79B33040-3A0F-4476-A0E9-F38934EAA2C7}"/>
+              </a:ext>
+            </a:extLst>
+          </p:cNvPr>
+          <p:cNvSpPr>
+            <a:spLocks noGrp="1"/>
+          </p:cNvSpPr>
+          <p:nvPr>
+            <p:ph type="title"/>
+          </p:nvPr>
+        </p:nvSpPr>
+        <p:spPr/>
+        <p:txBody>
+          <a:bodyPr/>
+          <a:lstStyle/>
+          <a:p>
+            <a:r>
+              <a:rPr lang="en-US" dirty="0"/>
+              <a:t>Feature Space Definition</a:t>
+            </a:r>
+          </a:p>
+        </p:txBody>
+      </p:sp>
+      <p:sp>
+        <p:nvSpPr>
+          <p:cNvPr id="3" name="Content Placeholder 2">
+            <a:extLst>
+              <a:ext uri="{FF2B5EF4-FFF2-40B4-BE49-F238E27FC236}">
+                <a16:creationId xmlns:a16="http://schemas.microsoft.com/office/drawing/2014/main" id="{6FB6664C-AFC7-4D14-B582-9AF00E3ECC26}"/>
+              </a:ext>
+            </a:extLst>
+          </p:cNvPr>
+          <p:cNvSpPr>
+            <a:spLocks noGrp="1"/>
+          </p:cNvSpPr>
+          <p:nvPr>
+            <p:ph idx="1"/>
+          </p:nvPr>
+        </p:nvSpPr>
+        <p:spPr>
+          <a:xfrm>
+            <a:off x="838200" y="1634708"/>
+            <a:ext cx="10515600" cy="4351338"/>
+          </a:xfrm>
+        </p:spPr>
+        <p:txBody>
+          <a:bodyPr/>
+          <a:lstStyle/>
+          <a:p>
+            <a:pPr marL="409575" indent="-409575">
+              <a:buNone/>
+              <a:tabLst>
+                <a:tab pos="398463" algn="l"/>
+              </a:tabLst>
+            </a:pPr>
+            <a:r>
+              <a:rPr lang="en-US" dirty="0"/>
+              <a:t>[  ]</a:t>
+            </a:r>
+          </a:p>
+        </p:txBody>
+      </p:sp>
+      <p:pic>
+        <p:nvPicPr>
+          <p:cNvPr id="6" name="Picture 5">
+            <a:extLst>
+              <a:ext uri="{FF2B5EF4-FFF2-40B4-BE49-F238E27FC236}">
+                <a16:creationId xmlns:a16="http://schemas.microsoft.com/office/drawing/2014/main" id="{8328B4BE-DCA3-7443-800F-4EC7B6380DBD}"/>
+              </a:ext>
+            </a:extLst>
+          </p:cNvPr>
+          <p:cNvPicPr>
+            <a:picLocks noChangeAspect="1"/>
+          </p:cNvPicPr>
+          <p:nvPr/>
+        </p:nvPicPr>
+        <p:blipFill>
+          <a:blip r:embed="rId2"/>
+          <a:stretch>
+            <a:fillRect/>
+          </a:stretch>
+        </p:blipFill>
+        <p:spPr>
+          <a:xfrm>
+            <a:off x="2244484" y="2126621"/>
+            <a:ext cx="7389722" cy="2013299"/>
+          </a:xfrm>
+          <a:prstGeom prst="rect">
+            <a:avLst/>
+          </a:prstGeom>
+        </p:spPr>
+      </p:pic>
+    </p:spTree>
+    <p:extLst>
+      <p:ext uri="{BB962C8B-B14F-4D97-AF65-F5344CB8AC3E}">
+        <p14:creationId xmlns:p14="http://schemas.microsoft.com/office/powerpoint/2010/main" val="1707818525"/>
+      </p:ext>
+    </p:extLst>
+  </p:cSld>
+  <p:clrMapOvr>
+    <a:masterClrMapping/>
+  </p:clrMapOvr>
+</p:sld>
+</file>
+
+<file path=ppt/slides/slide3.xml><?xml version="1.0" encoding="utf-8"?>
+<p:sld xmlns:a="http://schemas.openxmlformats.org/drawingml/2006/main" xmlns:r="http://schemas.openxmlformats.org/officeDocument/2006/relationships" xmlns:p="http://schemas.openxmlformats.org/presentationml/2006/main">
+  <p:cSld>
+    <p:spTree>
+      <p:nvGrpSpPr>
+        <p:cNvPr id="1" name=""/>
+        <p:cNvGrpSpPr/>
+        <p:nvPr/>
+      </p:nvGrpSpPr>
+      <p:grpSpPr>
+        <a:xfrm>
+          <a:off x="0" y="0"/>
+          <a:ext cx="0" cy="0"/>
+          <a:chOff x="0" y="0"/>
+          <a:chExt cx="0" cy="0"/>
+        </a:xfrm>
+      </p:grpSpPr>
+      <p:sp>
+        <p:nvSpPr>
+          <p:cNvPr id="2" name="Title 1">
+            <a:extLst>
+              <a:ext uri="{FF2B5EF4-FFF2-40B4-BE49-F238E27FC236}">
+                <a16:creationId xmlns:a16="http://schemas.microsoft.com/office/drawing/2014/main" id="{79B33040-3A0F-4476-A0E9-F38934EAA2C7}"/>
+              </a:ext>
+            </a:extLst>
+          </p:cNvPr>
+          <p:cNvSpPr>
+            <a:spLocks noGrp="1"/>
+          </p:cNvSpPr>
+          <p:nvPr>
+            <p:ph type="title"/>
+          </p:nvPr>
+        </p:nvSpPr>
+        <p:spPr/>
+        <p:txBody>
+          <a:bodyPr/>
+          <a:lstStyle/>
+          <a:p>
+            <a:r>
+              <a:rPr lang="en-US" dirty="0"/>
+              <a:t>Feature Space Definition</a:t>
+            </a:r>
+          </a:p>
+        </p:txBody>
+      </p:sp>
+      <p:sp>
+        <p:nvSpPr>
+          <p:cNvPr id="3" name="Content Placeholder 2">
+            <a:extLst>
+              <a:ext uri="{FF2B5EF4-FFF2-40B4-BE49-F238E27FC236}">
+                <a16:creationId xmlns:a16="http://schemas.microsoft.com/office/drawing/2014/main" id="{6FB6664C-AFC7-4D14-B582-9AF00E3ECC26}"/>
+              </a:ext>
+            </a:extLst>
+          </p:cNvPr>
+          <p:cNvSpPr>
+            <a:spLocks noGrp="1"/>
+          </p:cNvSpPr>
+          <p:nvPr>
+            <p:ph idx="1"/>
+          </p:nvPr>
+        </p:nvSpPr>
+        <p:spPr>
+          <a:xfrm>
+            <a:off x="838200" y="1634708"/>
+            <a:ext cx="10515600" cy="4351338"/>
+          </a:xfrm>
+        </p:spPr>
+        <p:txBody>
+          <a:bodyPr/>
+          <a:lstStyle/>
+          <a:p>
+            <a:pPr marL="409575" indent="-409575">
+              <a:buNone/>
+              <a:tabLst>
+                <a:tab pos="398463" algn="l"/>
+              </a:tabLst>
+            </a:pPr>
+            <a:r>
+              <a:rPr lang="en-US" dirty="0"/>
+              <a:t>[  ]</a:t>
+            </a:r>
+          </a:p>
+        </p:txBody>
+      </p:sp>
+    </p:spTree>
+    <p:extLst>
+      <p:ext uri="{BB962C8B-B14F-4D97-AF65-F5344CB8AC3E}">
+        <p14:creationId xmlns:p14="http://schemas.microsoft.com/office/powerpoint/2010/main" val="704046252"/>
+      </p:ext>
+    </p:extLst>
+  </p:cSld>
+  <p:clrMapOvr>
+    <a:masterClrMapping/>
+  </p:clrMapOvr>
+</p:sld>
+</file>
+
+<file path=ppt/slides/slide4.xml><?xml version="1.0" encoding="utf-8"?>
+<p:sld xmlns:a="http://schemas.openxmlformats.org/drawingml/2006/main" xmlns:r="http://schemas.openxmlformats.org/officeDocument/2006/relationships" xmlns:p="http://schemas.openxmlformats.org/presentationml/2006/main">
+  <p:cSld>
+    <p:spTree>
+      <p:nvGrpSpPr>
+        <p:cNvPr id="1" name=""/>
+        <p:cNvGrpSpPr/>
+        <p:nvPr/>
+      </p:nvGrpSpPr>
+      <p:grpSpPr>
+        <a:xfrm>
+          <a:off x="0" y="0"/>
+          <a:ext cx="0" cy="0"/>
+          <a:chOff x="0" y="0"/>
+          <a:chExt cx="0" cy="0"/>
+        </a:xfrm>
+      </p:grpSpPr>
+      <p:sp>
+        <p:nvSpPr>
+          <p:cNvPr id="2" name="Title 1">
+            <a:extLst>
+              <a:ext uri="{FF2B5EF4-FFF2-40B4-BE49-F238E27FC236}">
+                <a16:creationId xmlns:a16="http://schemas.microsoft.com/office/drawing/2014/main" id="{79B33040-3A0F-4476-A0E9-F38934EAA2C7}"/>
+              </a:ext>
+            </a:extLst>
+          </p:cNvPr>
+          <p:cNvSpPr>
+            <a:spLocks noGrp="1"/>
+          </p:cNvSpPr>
+          <p:nvPr>
+            <p:ph type="title"/>
+          </p:nvPr>
+        </p:nvSpPr>
+        <p:spPr/>
+        <p:txBody>
+          <a:bodyPr/>
+          <a:lstStyle/>
+          <a:p>
+            <a:r>
+              <a:rPr lang="en-US" dirty="0"/>
+              <a:t>Feature Space Definition</a:t>
+            </a:r>
+          </a:p>
+        </p:txBody>
+      </p:sp>
+      <p:sp>
+        <p:nvSpPr>
+          <p:cNvPr id="3" name="Content Placeholder 2">
+            <a:extLst>
+              <a:ext uri="{FF2B5EF4-FFF2-40B4-BE49-F238E27FC236}">
+                <a16:creationId xmlns:a16="http://schemas.microsoft.com/office/drawing/2014/main" id="{6FB6664C-AFC7-4D14-B582-9AF00E3ECC26}"/>
+              </a:ext>
+            </a:extLst>
+          </p:cNvPr>
+          <p:cNvSpPr>
+            <a:spLocks noGrp="1"/>
+          </p:cNvSpPr>
+          <p:nvPr>
+            <p:ph idx="1"/>
+          </p:nvPr>
+        </p:nvSpPr>
+        <p:spPr>
+          <a:xfrm>
+            <a:off x="838200" y="1634708"/>
+            <a:ext cx="10515600" cy="4351338"/>
+          </a:xfrm>
+        </p:spPr>
+        <p:txBody>
+          <a:bodyPr/>
+          <a:lstStyle/>
+          <a:p>
+            <a:pPr marL="409575" indent="-409575">
+              <a:buNone/>
+              <a:tabLst>
+                <a:tab pos="398463" algn="l"/>
+              </a:tabLst>
+            </a:pPr>
+            <a:endParaRPr lang="en-US" dirty="0"/>
+          </a:p>
+        </p:txBody>
+      </p:sp>
+    </p:spTree>
+    <p:extLst>
+      <p:ext uri="{BB962C8B-B14F-4D97-AF65-F5344CB8AC3E}">
+        <p14:creationId xmlns:p14="http://schemas.microsoft.com/office/powerpoint/2010/main" val="3581875827"/>
+      </p:ext>
+    </p:extLst>
+  </p:cSld>
+  <p:clrMapOvr>
+    <a:masterClrMapping/>
+  </p:clrMapOvr>
+</p:sld>
+</file>
+
+<file path=ppt/slides/slide5.xml><?xml version="1.0" encoding="utf-8"?>
+<p:sld xmlns:a="http://schemas.openxmlformats.org/drawingml/2006/main" xmlns:r="http://schemas.openxmlformats.org/officeDocument/2006/relationships" xmlns:p="http://schemas.openxmlformats.org/presentationml/2006/main">
+  <p:cSld>
+    <p:spTree>
+      <p:nvGrpSpPr>
+        <p:cNvPr id="1" name=""/>
+        <p:cNvGrpSpPr/>
+        <p:nvPr/>
+      </p:nvGrpSpPr>
+      <p:grpSpPr>
+        <a:xfrm>
+          <a:off x="0" y="0"/>
+          <a:ext cx="0" cy="0"/>
+          <a:chOff x="0" y="0"/>
+          <a:chExt cx="0" cy="0"/>
+        </a:xfrm>
+      </p:grpSpPr>
+      <p:sp>
+        <p:nvSpPr>
+          <p:cNvPr id="2" name="Title 1">
+            <a:extLst>
+              <a:ext uri="{FF2B5EF4-FFF2-40B4-BE49-F238E27FC236}">
+                <a16:creationId xmlns:a16="http://schemas.microsoft.com/office/drawing/2014/main" id="{79B33040-3A0F-4476-A0E9-F38934EAA2C7}"/>
+              </a:ext>
+            </a:extLst>
+          </p:cNvPr>
+          <p:cNvSpPr>
+            <a:spLocks noGrp="1"/>
+          </p:cNvSpPr>
+          <p:nvPr>
+            <p:ph type="title"/>
+          </p:nvPr>
+        </p:nvSpPr>
+        <p:spPr>
+          <a:xfrm>
+            <a:off x="908538" y="2715922"/>
+            <a:ext cx="10515600" cy="1325563"/>
+          </a:xfrm>
+        </p:spPr>
+        <p:txBody>
+          <a:bodyPr/>
+          <a:lstStyle/>
+          <a:p>
+            <a:r>
+              <a:rPr lang="en-US" dirty="0"/>
+              <a:t>Feature Spaces</a:t>
+            </a:r>
+            <a:br>
+              <a:rPr lang="en-US" dirty="0"/>
+            </a:br>
+            <a:r>
+              <a:rPr lang="en-US" dirty="0"/>
+              <a:t>The Base Case</a:t>
+            </a:r>
+          </a:p>
+        </p:txBody>
+      </p:sp>
+      <p:sp>
+        <p:nvSpPr>
+          <p:cNvPr id="8" name="Title 1">
+            <a:extLst>
+              <a:ext uri="{FF2B5EF4-FFF2-40B4-BE49-F238E27FC236}">
+                <a16:creationId xmlns:a16="http://schemas.microsoft.com/office/drawing/2014/main" id="{34E530BF-DF1C-8642-83F9-BBCF1211B04C}"/>
+              </a:ext>
+            </a:extLst>
+          </p:cNvPr>
+          <p:cNvSpPr txBox="1">
+            <a:spLocks/>
+          </p:cNvSpPr>
+          <p:nvPr/>
+        </p:nvSpPr>
+        <p:spPr>
+          <a:xfrm>
+            <a:off x="908538" y="4636832"/>
+            <a:ext cx="10515600" cy="1325563"/>
+          </a:xfrm>
+          <a:prstGeom prst="rect">
+            <a:avLst/>
+          </a:prstGeom>
+        </p:spPr>
+        <p:txBody>
+          <a:bodyPr vert="horz" lIns="91440" tIns="45720" rIns="91440" bIns="45720" rtlCol="0" anchor="ctr">
+            <a:normAutofit/>
+          </a:bodyPr>
+          <a:lstStyle>
+            <a:lvl1pPr algn="l" defTabSz="914400" rtl="0" eaLnBrk="1" latinLnBrk="0" hangingPunct="1">
+              <a:lnSpc>
+                <a:spcPct val="90000"/>
+              </a:lnSpc>
+              <a:spcBef>
+                <a:spcPct val="0"/>
+              </a:spcBef>
+              <a:buNone/>
+              <a:defRPr sz="4400" kern="1200">
+                <a:solidFill>
+                  <a:schemeClr val="accent1">
+                    <a:lumMod val="50000"/>
+                  </a:schemeClr>
+                </a:solidFill>
+                <a:latin typeface="+mj-lt"/>
+                <a:ea typeface="+mj-ea"/>
+                <a:cs typeface="+mj-cs"/>
+              </a:defRPr>
+            </a:lvl1pPr>
+          </a:lstStyle>
+          <a:p>
+            <a:r>
+              <a:rPr lang="en-US" dirty="0">
+                <a:solidFill>
+                  <a:srgbClr val="FF0000"/>
+                </a:solidFill>
+              </a:rPr>
+              <a:t>Rocio</a:t>
+            </a:r>
+          </a:p>
+        </p:txBody>
+      </p:sp>
+    </p:spTree>
+    <p:extLst>
+      <p:ext uri="{BB962C8B-B14F-4D97-AF65-F5344CB8AC3E}">
+        <p14:creationId xmlns:p14="http://schemas.microsoft.com/office/powerpoint/2010/main" val="4123425983"/>
+      </p:ext>
+    </p:extLst>
+  </p:cSld>
+  <p:clrMapOvr>
+    <a:masterClrMapping/>
+  </p:clrMapOvr>
+</p:sld>
+</file>
+
+<file path=ppt/slides/slide6.xml><?xml version="1.0" encoding="utf-8"?>
+<p:sld xmlns:a="http://schemas.openxmlformats.org/drawingml/2006/main" xmlns:r="http://schemas.openxmlformats.org/officeDocument/2006/relationships" xmlns:p="http://schemas.openxmlformats.org/presentationml/2006/main">
+  <p:cSld>
+    <p:spTree>
+      <p:nvGrpSpPr>
+        <p:cNvPr id="1" name=""/>
+        <p:cNvGrpSpPr/>
+        <p:nvPr/>
+      </p:nvGrpSpPr>
+      <p:grpSpPr>
+        <a:xfrm>
+          <a:off x="0" y="0"/>
+          <a:ext cx="0" cy="0"/>
+          <a:chOff x="0" y="0"/>
+          <a:chExt cx="0" cy="0"/>
+        </a:xfrm>
+      </p:grpSpPr>
+      <p:sp>
+        <p:nvSpPr>
+          <p:cNvPr id="2" name="Title 1">
+            <a:extLst>
+              <a:ext uri="{FF2B5EF4-FFF2-40B4-BE49-F238E27FC236}">
+                <a16:creationId xmlns:a16="http://schemas.microsoft.com/office/drawing/2014/main" id="{79B33040-3A0F-4476-A0E9-F38934EAA2C7}"/>
+              </a:ext>
+            </a:extLst>
+          </p:cNvPr>
+          <p:cNvSpPr>
+            <a:spLocks noGrp="1"/>
+          </p:cNvSpPr>
+          <p:nvPr>
+            <p:ph type="title"/>
+          </p:nvPr>
+        </p:nvSpPr>
+        <p:spPr>
+          <a:xfrm>
+            <a:off x="737716" y="2876696"/>
+            <a:ext cx="10515600" cy="1325563"/>
+          </a:xfrm>
+        </p:spPr>
+        <p:txBody>
+          <a:bodyPr/>
+          <a:lstStyle/>
+          <a:p>
+            <a:r>
+              <a:rPr lang="en-US" dirty="0"/>
+              <a:t>Feature Spaces</a:t>
+            </a:r>
+            <a:br>
+              <a:rPr lang="en-US" dirty="0"/>
+            </a:br>
+            <a:r>
+              <a:rPr lang="en-US" dirty="0"/>
+              <a:t>Case I</a:t>
+            </a:r>
+          </a:p>
+        </p:txBody>
+      </p:sp>
+      <p:sp>
+        <p:nvSpPr>
+          <p:cNvPr id="3" name="Title 1">
+            <a:extLst>
+              <a:ext uri="{FF2B5EF4-FFF2-40B4-BE49-F238E27FC236}">
+                <a16:creationId xmlns:a16="http://schemas.microsoft.com/office/drawing/2014/main" id="{5DFF7BDB-C0B4-8847-BC7F-9280C101CDDF}"/>
+              </a:ext>
+            </a:extLst>
+          </p:cNvPr>
+          <p:cNvSpPr txBox="1">
+            <a:spLocks/>
+          </p:cNvSpPr>
+          <p:nvPr/>
+        </p:nvSpPr>
+        <p:spPr>
+          <a:xfrm>
+            <a:off x="908538" y="4636832"/>
+            <a:ext cx="10515600" cy="1325563"/>
+          </a:xfrm>
+          <a:prstGeom prst="rect">
+            <a:avLst/>
+          </a:prstGeom>
+        </p:spPr>
+        <p:txBody>
+          <a:bodyPr vert="horz" lIns="91440" tIns="45720" rIns="91440" bIns="45720" rtlCol="0" anchor="ctr">
+            <a:normAutofit/>
+          </a:bodyPr>
+          <a:lstStyle>
+            <a:lvl1pPr algn="l" defTabSz="914400" rtl="0" eaLnBrk="1" latinLnBrk="0" hangingPunct="1">
+              <a:lnSpc>
+                <a:spcPct val="90000"/>
+              </a:lnSpc>
+              <a:spcBef>
+                <a:spcPct val="0"/>
+              </a:spcBef>
+              <a:buNone/>
+              <a:defRPr sz="4400" kern="1200">
+                <a:solidFill>
+                  <a:schemeClr val="accent1">
+                    <a:lumMod val="50000"/>
+                  </a:schemeClr>
+                </a:solidFill>
+                <a:latin typeface="+mj-lt"/>
+                <a:ea typeface="+mj-ea"/>
+                <a:cs typeface="+mj-cs"/>
+              </a:defRPr>
+            </a:lvl1pPr>
+          </a:lstStyle>
+          <a:p>
+            <a:r>
+              <a:rPr lang="en-US" dirty="0">
+                <a:solidFill>
+                  <a:srgbClr val="FF0000"/>
+                </a:solidFill>
+              </a:rPr>
+              <a:t>Pinky</a:t>
+            </a:r>
+          </a:p>
+        </p:txBody>
+      </p:sp>
+    </p:spTree>
+    <p:extLst>
+      <p:ext uri="{BB962C8B-B14F-4D97-AF65-F5344CB8AC3E}">
+        <p14:creationId xmlns:p14="http://schemas.microsoft.com/office/powerpoint/2010/main" val="822741941"/>
+      </p:ext>
+    </p:extLst>
+  </p:cSld>
+  <p:clrMapOvr>
+    <a:masterClrMapping/>
+  </p:clrMapOvr>
+</p:sld>
+</file>
+
+<file path=ppt/slides/slide7.xml><?xml version="1.0" encoding="utf-8"?>
+<p:sld xmlns:a="http://schemas.openxmlformats.org/drawingml/2006/main" xmlns:r="http://schemas.openxmlformats.org/officeDocument/2006/relationships" xmlns:p="http://schemas.openxmlformats.org/presentationml/2006/main">
+  <p:cSld>
+    <p:spTree>
+      <p:nvGrpSpPr>
+        <p:cNvPr id="1" name=""/>
+        <p:cNvGrpSpPr/>
+        <p:nvPr/>
+      </p:nvGrpSpPr>
+      <p:grpSpPr>
+        <a:xfrm>
+          <a:off x="0" y="0"/>
+          <a:ext cx="0" cy="0"/>
+          <a:chOff x="0" y="0"/>
+          <a:chExt cx="0" cy="0"/>
+        </a:xfrm>
+      </p:grpSpPr>
+      <p:sp>
+        <p:nvSpPr>
+          <p:cNvPr id="2" name="Title 1">
+            <a:extLst>
+              <a:ext uri="{FF2B5EF4-FFF2-40B4-BE49-F238E27FC236}">
+                <a16:creationId xmlns:a16="http://schemas.microsoft.com/office/drawing/2014/main" id="{79B33040-3A0F-4476-A0E9-F38934EAA2C7}"/>
+              </a:ext>
+            </a:extLst>
+          </p:cNvPr>
+          <p:cNvSpPr>
+            <a:spLocks noGrp="1"/>
+          </p:cNvSpPr>
+          <p:nvPr>
+            <p:ph type="title"/>
+          </p:nvPr>
+        </p:nvSpPr>
+        <p:spPr>
+          <a:xfrm>
+            <a:off x="737716" y="2876696"/>
+            <a:ext cx="10515600" cy="1325563"/>
+          </a:xfrm>
+        </p:spPr>
+        <p:txBody>
+          <a:bodyPr/>
+          <a:lstStyle/>
+          <a:p>
+            <a:r>
+              <a:rPr lang="en-US" dirty="0"/>
+              <a:t>Feature Spaces</a:t>
+            </a:r>
+            <a:br>
+              <a:rPr lang="en-US" dirty="0"/>
+            </a:br>
+            <a:r>
+              <a:rPr lang="en-US" dirty="0"/>
+              <a:t>Case II</a:t>
+            </a:r>
+          </a:p>
+        </p:txBody>
+      </p:sp>
+      <p:sp>
+        <p:nvSpPr>
+          <p:cNvPr id="4" name="Title 1">
+            <a:extLst>
+              <a:ext uri="{FF2B5EF4-FFF2-40B4-BE49-F238E27FC236}">
+                <a16:creationId xmlns:a16="http://schemas.microsoft.com/office/drawing/2014/main" id="{E62F416E-76E1-CD4C-BE44-A30D42A04AAE}"/>
+              </a:ext>
+            </a:extLst>
+          </p:cNvPr>
+          <p:cNvSpPr txBox="1">
+            <a:spLocks/>
+          </p:cNvSpPr>
+          <p:nvPr/>
+        </p:nvSpPr>
+        <p:spPr>
+          <a:xfrm>
+            <a:off x="908538" y="4636832"/>
+            <a:ext cx="10515600" cy="1325563"/>
+          </a:xfrm>
+          <a:prstGeom prst="rect">
+            <a:avLst/>
+          </a:prstGeom>
+        </p:spPr>
+        <p:txBody>
+          <a:bodyPr vert="horz" lIns="91440" tIns="45720" rIns="91440" bIns="45720" rtlCol="0" anchor="ctr">
+            <a:normAutofit/>
+          </a:bodyPr>
+          <a:lstStyle>
+            <a:lvl1pPr algn="l" defTabSz="914400" rtl="0" eaLnBrk="1" latinLnBrk="0" hangingPunct="1">
+              <a:lnSpc>
+                <a:spcPct val="90000"/>
+              </a:lnSpc>
+              <a:spcBef>
+                <a:spcPct val="0"/>
+              </a:spcBef>
+              <a:buNone/>
+              <a:defRPr sz="4400" kern="1200">
+                <a:solidFill>
+                  <a:schemeClr val="accent1">
+                    <a:lumMod val="50000"/>
+                  </a:schemeClr>
+                </a:solidFill>
+                <a:latin typeface="+mj-lt"/>
+                <a:ea typeface="+mj-ea"/>
+                <a:cs typeface="+mj-cs"/>
+              </a:defRPr>
+            </a:lvl1pPr>
+          </a:lstStyle>
+          <a:p>
+            <a:r>
+              <a:rPr lang="en-US" dirty="0">
+                <a:solidFill>
+                  <a:srgbClr val="FF0000"/>
+                </a:solidFill>
+              </a:rPr>
+              <a:t>Rocio</a:t>
+            </a:r>
+          </a:p>
+        </p:txBody>
+      </p:sp>
+    </p:spTree>
+    <p:extLst>
+      <p:ext uri="{BB962C8B-B14F-4D97-AF65-F5344CB8AC3E}">
+        <p14:creationId xmlns:p14="http://schemas.microsoft.com/office/powerpoint/2010/main" val="1268669410"/>
+      </p:ext>
+    </p:extLst>
+  </p:cSld>
+  <p:clrMapOvr>
+    <a:masterClrMapping/>
+  </p:clrMapOvr>
+</p:sld>
+</file>
+
+<file path=ppt/slides/slide8.xml><?xml version="1.0" encoding="utf-8"?>
+<p:sld xmlns:a="http://schemas.openxmlformats.org/drawingml/2006/main" xmlns:r="http://schemas.openxmlformats.org/officeDocument/2006/relationships" xmlns:p="http://schemas.openxmlformats.org/presentationml/2006/main">
+  <p:cSld>
+    <p:spTree>
+      <p:nvGrpSpPr>
+        <p:cNvPr id="1" name=""/>
+        <p:cNvGrpSpPr/>
+        <p:nvPr/>
+      </p:nvGrpSpPr>
+      <p:grpSpPr>
+        <a:xfrm>
+          <a:off x="0" y="0"/>
+          <a:ext cx="0" cy="0"/>
+          <a:chOff x="0" y="0"/>
+          <a:chExt cx="0" cy="0"/>
+        </a:xfrm>
+      </p:grpSpPr>
+      <p:sp>
+        <p:nvSpPr>
+          <p:cNvPr id="2" name="Title 1">
+            <a:extLst>
+              <a:ext uri="{FF2B5EF4-FFF2-40B4-BE49-F238E27FC236}">
+                <a16:creationId xmlns:a16="http://schemas.microsoft.com/office/drawing/2014/main" id="{79B33040-3A0F-4476-A0E9-F38934EAA2C7}"/>
+              </a:ext>
+            </a:extLst>
+          </p:cNvPr>
+          <p:cNvSpPr>
+            <a:spLocks noGrp="1"/>
+          </p:cNvSpPr>
+          <p:nvPr>
+            <p:ph type="title"/>
+          </p:nvPr>
+        </p:nvSpPr>
+        <p:spPr>
+          <a:xfrm>
+            <a:off x="737716" y="2876696"/>
+            <a:ext cx="10515600" cy="1325563"/>
+          </a:xfrm>
+        </p:spPr>
+        <p:txBody>
+          <a:bodyPr/>
+          <a:lstStyle/>
+          <a:p>
+            <a:r>
+              <a:rPr lang="en-US" dirty="0"/>
+              <a:t>Feature Spaces</a:t>
+            </a:r>
+            <a:br>
+              <a:rPr lang="en-US" dirty="0"/>
+            </a:br>
+            <a:r>
+              <a:rPr lang="en-US" dirty="0"/>
+              <a:t>Case III</a:t>
+            </a:r>
+          </a:p>
+        </p:txBody>
+      </p:sp>
+      <p:sp>
+        <p:nvSpPr>
+          <p:cNvPr id="4" name="Title 1">
+            <a:extLst>
+              <a:ext uri="{FF2B5EF4-FFF2-40B4-BE49-F238E27FC236}">
+                <a16:creationId xmlns:a16="http://schemas.microsoft.com/office/drawing/2014/main" id="{F5B5FE5B-3E1C-1343-B43B-581EC6AB8462}"/>
+              </a:ext>
+            </a:extLst>
+          </p:cNvPr>
+          <p:cNvSpPr txBox="1">
+            <a:spLocks/>
+          </p:cNvSpPr>
+          <p:nvPr/>
+        </p:nvSpPr>
+        <p:spPr>
+          <a:xfrm>
+            <a:off x="908538" y="4636832"/>
+            <a:ext cx="10515600" cy="1325563"/>
+          </a:xfrm>
+          <a:prstGeom prst="rect">
+            <a:avLst/>
+          </a:prstGeom>
+        </p:spPr>
+        <p:txBody>
+          <a:bodyPr vert="horz" lIns="91440" tIns="45720" rIns="91440" bIns="45720" rtlCol="0" anchor="ctr">
+            <a:normAutofit/>
+          </a:bodyPr>
+          <a:lstStyle>
+            <a:lvl1pPr algn="l" defTabSz="914400" rtl="0" eaLnBrk="1" latinLnBrk="0" hangingPunct="1">
+              <a:lnSpc>
+                <a:spcPct val="90000"/>
+              </a:lnSpc>
+              <a:spcBef>
+                <a:spcPct val="0"/>
+              </a:spcBef>
+              <a:buNone/>
+              <a:defRPr sz="4400" kern="1200">
+                <a:solidFill>
+                  <a:schemeClr val="accent1">
+                    <a:lumMod val="50000"/>
+                  </a:schemeClr>
+                </a:solidFill>
+                <a:latin typeface="+mj-lt"/>
+                <a:ea typeface="+mj-ea"/>
+                <a:cs typeface="+mj-cs"/>
+              </a:defRPr>
+            </a:lvl1pPr>
+          </a:lstStyle>
+          <a:p>
+            <a:r>
+              <a:rPr lang="en-US" dirty="0">
+                <a:solidFill>
+                  <a:srgbClr val="FF0000"/>
+                </a:solidFill>
+              </a:rPr>
+              <a:t>Timothy</a:t>
+            </a:r>
+          </a:p>
+        </p:txBody>
+      </p:sp>
+    </p:spTree>
+    <p:extLst>
+      <p:ext uri="{BB962C8B-B14F-4D97-AF65-F5344CB8AC3E}">
+        <p14:creationId xmlns:p14="http://schemas.microsoft.com/office/powerpoint/2010/main" val="3682092664"/>
       </p:ext>
     </p:extLst>
   </p:cSld>
